--- a/DDS_share_v477.pptx
+++ b/DDS_share_v477.pptx
@@ -11,16 +11,16 @@
     <p:sldId id="256" r:id="rId2"/>
     <p:sldId id="257" r:id="rId3"/>
     <p:sldId id="267" r:id="rId4"/>
-    <p:sldId id="280" r:id="rId5"/>
-    <p:sldId id="281" r:id="rId6"/>
-    <p:sldId id="284" r:id="rId7"/>
-    <p:sldId id="283" r:id="rId8"/>
-    <p:sldId id="286" r:id="rId9"/>
-    <p:sldId id="269" r:id="rId10"/>
-    <p:sldId id="282" r:id="rId11"/>
-    <p:sldId id="288" r:id="rId12"/>
-    <p:sldId id="289" r:id="rId13"/>
-    <p:sldId id="273" r:id="rId14"/>
+    <p:sldId id="281" r:id="rId5"/>
+    <p:sldId id="284" r:id="rId6"/>
+    <p:sldId id="283" r:id="rId7"/>
+    <p:sldId id="286" r:id="rId8"/>
+    <p:sldId id="269" r:id="rId9"/>
+    <p:sldId id="282" r:id="rId10"/>
+    <p:sldId id="288" r:id="rId11"/>
+    <p:sldId id="289" r:id="rId12"/>
+    <p:sldId id="273" r:id="rId13"/>
+    <p:sldId id="290" r:id="rId14"/>
     <p:sldId id="278" r:id="rId15"/>
     <p:sldId id="265" r:id="rId16"/>
     <p:sldId id="266" r:id="rId17"/>
@@ -3745,19 +3745,11 @@
           <a:p>
             <a:r>
               <a:rPr lang="de-DE" dirty="0"/>
-              <a:t>DDS Konzepte – Global Data </a:t>
+              <a:t>DDS Konzepte – </a:t>
             </a:r>
             <a:r>
               <a:rPr lang="de-DE" dirty="0" smtClean="0"/>
-              <a:t>Space </a:t>
-            </a:r>
-            <a:r>
-              <a:rPr lang="de-DE" dirty="0" err="1" smtClean="0"/>
-              <a:t>contd</a:t>
-            </a:r>
-            <a:r>
-              <a:rPr lang="de-DE" dirty="0" smtClean="0"/>
-              <a:t>.</a:t>
+              <a:t>Data Definition</a:t>
             </a:r>
             <a:endParaRPr lang="de-DE" dirty="0"/>
           </a:p>
@@ -3765,76 +3757,35 @@
       </p:sp>
       <p:pic>
         <p:nvPicPr>
-          <p:cNvPr id="10" name="Inhaltsplatzhalter 9"/>
+          <p:cNvPr id="6" name="Inhaltsplatzhalter 5"/>
           <p:cNvPicPr>
             <a:picLocks noGrp="1" noChangeAspect="1"/>
           </p:cNvPicPr>
           <p:nvPr>
-            <p:ph sz="half" idx="1"/>
+            <p:ph sz="half" idx="2"/>
           </p:nvPr>
         </p:nvPicPr>
-        <p:blipFill rotWithShape="1">
-          <a:blip r:embed="rId2">
+        <p:blipFill>
+          <a:blip r:embed="rId2" cstate="print">
             <a:extLst>
               <a:ext uri="{28A0092B-C50C-407E-A947-70E740481C1C}">
                 <a14:useLocalDpi xmlns:a14="http://schemas.microsoft.com/office/drawing/2010/main" val="0"/>
               </a:ext>
             </a:extLst>
           </a:blip>
-          <a:stretch/>
+          <a:stretch>
+            <a:fillRect/>
+          </a:stretch>
         </p:blipFill>
         <p:spPr>
           <a:xfrm>
-            <a:off x="552450" y="2649551"/>
-            <a:ext cx="5181600" cy="2932085"/>
+            <a:off x="6581776" y="1389477"/>
+            <a:ext cx="2028824" cy="1674206"/>
           </a:xfrm>
         </p:spPr>
       </p:pic>
       <p:sp>
         <p:nvSpPr>
-          <p:cNvPr id="11" name="Inhaltsplatzhalter 10"/>
-          <p:cNvSpPr>
-            <a:spLocks noGrp="1"/>
-          </p:cNvSpPr>
-          <p:nvPr>
-            <p:ph sz="half" idx="2"/>
-          </p:nvPr>
-        </p:nvSpPr>
-        <p:spPr/>
-        <p:txBody>
-          <a:bodyPr/>
-          <a:lstStyle/>
-          <a:p>
-            <a:r>
-              <a:rPr lang="de-DE" b="1" dirty="0" err="1" smtClean="0"/>
-              <a:t>Brokerless</a:t>
-            </a:r>
-            <a:endParaRPr lang="de-DE" b="1" dirty="0" smtClean="0"/>
-          </a:p>
-          <a:p>
-            <a:r>
-              <a:rPr lang="de-DE" dirty="0" smtClean="0"/>
-              <a:t>Publisher / Subscriber können GDS beitreten oder verlassen</a:t>
-            </a:r>
-          </a:p>
-          <a:p>
-            <a:pPr lvl="1"/>
-            <a:r>
-              <a:rPr lang="de-DE" dirty="0" smtClean="0"/>
-              <a:t>Discovery</a:t>
-            </a:r>
-          </a:p>
-          <a:p>
-            <a:r>
-              <a:rPr lang="de-DE" dirty="0" smtClean="0"/>
-              <a:t>Publisher / Subscriber spezifizieren  </a:t>
-            </a:r>
-            <a:endParaRPr lang="de-DE" dirty="0"/>
-          </a:p>
-        </p:txBody>
-      </p:sp>
-      <p:sp>
-        <p:nvSpPr>
           <p:cNvPr id="4" name="Fußzeilenplatzhalter 3"/>
           <p:cNvSpPr>
             <a:spLocks noGrp="1"/>
@@ -3879,10 +3830,183 @@
           </a:p>
         </p:txBody>
       </p:sp>
+      <p:sp>
+        <p:nvSpPr>
+          <p:cNvPr id="3" name="Inhaltsplatzhalter 2"/>
+          <p:cNvSpPr>
+            <a:spLocks noGrp="1"/>
+          </p:cNvSpPr>
+          <p:nvPr>
+            <p:ph sz="half" idx="1"/>
+          </p:nvPr>
+        </p:nvSpPr>
+        <p:spPr/>
+        <p:txBody>
+          <a:bodyPr>
+            <a:normAutofit fontScale="92500" lnSpcReduction="20000"/>
+          </a:bodyPr>
+          <a:lstStyle/>
+          <a:p>
+            <a:pPr marL="0" indent="0">
+              <a:buNone/>
+            </a:pPr>
+            <a:r>
+              <a:rPr lang="de-DE" b="1" dirty="0" smtClean="0"/>
+              <a:t>Topic</a:t>
+            </a:r>
+            <a:r>
+              <a:rPr lang="de-DE" dirty="0" smtClean="0"/>
+              <a:t> </a:t>
+            </a:r>
+          </a:p>
+          <a:p>
+            <a:pPr marL="0" indent="0">
+              <a:buNone/>
+            </a:pPr>
+            <a:r>
+              <a:rPr lang="de-DE" dirty="0" smtClean="0"/>
+              <a:t>Informationseinheit die ausgetauscht wird</a:t>
+            </a:r>
+          </a:p>
+          <a:p>
+            <a:pPr marL="0" indent="0">
+              <a:buNone/>
+            </a:pPr>
+            <a:endParaRPr lang="de-DE" dirty="0" smtClean="0"/>
+          </a:p>
+          <a:p>
+            <a:pPr marL="0" indent="0">
+              <a:buNone/>
+            </a:pPr>
+            <a:r>
+              <a:rPr lang="de-DE" b="1" dirty="0" smtClean="0"/>
+              <a:t>Topic Type</a:t>
+            </a:r>
+          </a:p>
+          <a:p>
+            <a:pPr marL="0" indent="0">
+              <a:buNone/>
+            </a:pPr>
+            <a:endParaRPr lang="de-DE" b="1" dirty="0" smtClean="0"/>
+          </a:p>
+          <a:p>
+            <a:pPr marL="0" indent="0">
+              <a:buNone/>
+            </a:pPr>
+            <a:endParaRPr lang="de-DE" dirty="0"/>
+          </a:p>
+          <a:p>
+            <a:pPr marL="0" indent="0">
+              <a:buNone/>
+            </a:pPr>
+            <a:r>
+              <a:rPr lang="de-DE" b="1" dirty="0" smtClean="0"/>
+              <a:t>Topic </a:t>
+            </a:r>
+            <a:r>
+              <a:rPr lang="de-DE" b="1" dirty="0" err="1" smtClean="0"/>
+              <a:t>Instances</a:t>
+            </a:r>
+            <a:endParaRPr lang="de-DE" b="1" dirty="0" smtClean="0"/>
+          </a:p>
+          <a:p>
+            <a:pPr marL="0" indent="0">
+              <a:buNone/>
+            </a:pPr>
+            <a:endParaRPr lang="de-DE" dirty="0"/>
+          </a:p>
+          <a:p>
+            <a:pPr marL="0" indent="0">
+              <a:buNone/>
+            </a:pPr>
+            <a:r>
+              <a:rPr lang="de-DE" b="1" dirty="0" smtClean="0"/>
+              <a:t>Topic Samples</a:t>
+            </a:r>
+          </a:p>
+          <a:p>
+            <a:pPr marL="0" indent="0">
+              <a:buNone/>
+            </a:pPr>
+            <a:r>
+              <a:rPr lang="de-DE" dirty="0" smtClean="0"/>
+              <a:t>alle über Zeit empfangen Topics</a:t>
+            </a:r>
+          </a:p>
+        </p:txBody>
+      </p:sp>
+      <p:pic>
+        <p:nvPicPr>
+          <p:cNvPr id="7" name="Grafik 6"/>
+          <p:cNvPicPr>
+            <a:picLocks noChangeAspect="1"/>
+          </p:cNvPicPr>
+          <p:nvPr/>
+        </p:nvPicPr>
+        <p:blipFill>
+          <a:blip r:embed="rId3">
+            <a:extLst>
+              <a:ext uri="{28A0092B-C50C-407E-A947-70E740481C1C}">
+                <a14:useLocalDpi xmlns:a14="http://schemas.microsoft.com/office/drawing/2010/main" val="0"/>
+              </a:ext>
+            </a:extLst>
+          </a:blip>
+          <a:stretch>
+            <a:fillRect/>
+          </a:stretch>
+        </p:blipFill>
+        <p:spPr>
+          <a:xfrm>
+            <a:off x="6391275" y="3107720"/>
+            <a:ext cx="2571750" cy="1011115"/>
+          </a:xfrm>
+          <a:prstGeom prst="rect">
+            <a:avLst/>
+          </a:prstGeom>
+        </p:spPr>
+      </p:pic>
+      <p:sp>
+        <p:nvSpPr>
+          <p:cNvPr id="9" name="Textfeld 8"/>
+          <p:cNvSpPr txBox="1"/>
+          <p:nvPr/>
+        </p:nvSpPr>
+        <p:spPr>
+          <a:xfrm>
+            <a:off x="8963025" y="1389477"/>
+            <a:ext cx="1789272" cy="215444"/>
+          </a:xfrm>
+          <a:prstGeom prst="rect">
+            <a:avLst/>
+          </a:prstGeom>
+          <a:noFill/>
+        </p:spPr>
+        <p:txBody>
+          <a:bodyPr wrap="none" rtlCol="0">
+            <a:spAutoFit/>
+          </a:bodyPr>
+          <a:lstStyle/>
+          <a:p>
+            <a:r>
+              <a:rPr lang="de-DE" sz="800" dirty="0" smtClean="0"/>
+              <a:t>Bilder: Angelo </a:t>
+            </a:r>
+            <a:r>
+              <a:rPr lang="de-DE" sz="800" dirty="0" err="1" smtClean="0"/>
+              <a:t>Corsaro</a:t>
+            </a:r>
+            <a:r>
+              <a:rPr lang="de-DE" sz="800" dirty="0" smtClean="0"/>
+              <a:t>, prismtech.com</a:t>
+            </a:r>
+            <a:endParaRPr lang="de-DE" sz="800" dirty="0"/>
+          </a:p>
+        </p:txBody>
+      </p:sp>
     </p:spTree>
     <p:extLst>
       <p:ext uri="{BB962C8B-B14F-4D97-AF65-F5344CB8AC3E}">
-        <p14:creationId xmlns:p14="http://schemas.microsoft.com/office/powerpoint/2010/main" val="3332783416"/>
+        <p14:creationId xmlns:p14="http://schemas.microsoft.com/office/powerpoint/2010/main" val="2919555161"/>
       </p:ext>
     </p:extLst>
   </p:cSld>
@@ -3900,7 +4024,7 @@
 </file>
 
 <file path=ppt/slides/slide11.xml><?xml version="1.0" encoding="utf-8"?>
-<p:sld xmlns:a="http://schemas.openxmlformats.org/drawingml/2006/main" xmlns:r="http://schemas.openxmlformats.org/officeDocument/2006/relationships" xmlns:p="http://schemas.openxmlformats.org/presentationml/2006/main">
+<p:sld xmlns:a="http://schemas.openxmlformats.org/drawingml/2006/main" xmlns:r="http://schemas.openxmlformats.org/officeDocument/2006/relationships" xmlns:p="http://schemas.openxmlformats.org/presentationml/2006/main" show="0">
   <p:cSld>
     <p:spTree>
       <p:nvGrpSpPr>
@@ -3937,41 +4061,16 @@
             </a:r>
             <a:r>
               <a:rPr lang="de-DE" dirty="0" smtClean="0"/>
-              <a:t>Data Definition</a:t>
+              <a:t>Data </a:t>
+            </a:r>
+            <a:r>
+              <a:rPr lang="de-DE" dirty="0" err="1" smtClean="0"/>
+              <a:t>Organization</a:t>
             </a:r>
             <a:endParaRPr lang="de-DE" dirty="0"/>
           </a:p>
         </p:txBody>
       </p:sp>
-      <p:pic>
-        <p:nvPicPr>
-          <p:cNvPr id="6" name="Inhaltsplatzhalter 5"/>
-          <p:cNvPicPr>
-            <a:picLocks noGrp="1" noChangeAspect="1"/>
-          </p:cNvPicPr>
-          <p:nvPr>
-            <p:ph sz="half" idx="2"/>
-          </p:nvPr>
-        </p:nvPicPr>
-        <p:blipFill>
-          <a:blip r:embed="rId2">
-            <a:extLst>
-              <a:ext uri="{28A0092B-C50C-407E-A947-70E740481C1C}">
-                <a14:useLocalDpi xmlns:a14="http://schemas.microsoft.com/office/drawing/2010/main" val="0"/>
-              </a:ext>
-            </a:extLst>
-          </a:blip>
-          <a:stretch>
-            <a:fillRect/>
-          </a:stretch>
-        </p:blipFill>
-        <p:spPr>
-          <a:xfrm>
-            <a:off x="7591425" y="1690688"/>
-            <a:ext cx="2787985" cy="2300673"/>
-          </a:xfrm>
-        </p:spPr>
-      </p:pic>
       <p:sp>
         <p:nvSpPr>
           <p:cNvPr id="4" name="Fußzeilenplatzhalter 3"/>
@@ -4038,21 +4137,15 @@
             </a:pPr>
             <a:r>
               <a:rPr lang="de-DE" b="1" dirty="0" smtClean="0"/>
-              <a:t>Topic</a:t>
-            </a:r>
-            <a:r>
-              <a:rPr lang="de-DE" dirty="0" smtClean="0"/>
-              <a:t> </a:t>
-            </a:r>
+              <a:t>Domain</a:t>
+            </a:r>
+            <a:endParaRPr lang="de-DE" dirty="0" smtClean="0"/>
           </a:p>
           <a:p>
             <a:pPr marL="0" indent="0">
               <a:buNone/>
             </a:pPr>
-            <a:r>
-              <a:rPr lang="de-DE" dirty="0" smtClean="0"/>
-              <a:t>Informationseinheit</a:t>
-            </a:r>
+            <a:endParaRPr lang="de-DE" dirty="0" smtClean="0"/>
           </a:p>
           <a:p>
             <a:pPr marL="0" indent="0">
@@ -4065,10 +4158,9 @@
               <a:buNone/>
             </a:pPr>
             <a:r>
-              <a:rPr lang="de-DE" b="1" dirty="0" err="1" smtClean="0"/>
-              <a:t>Instances</a:t>
-            </a:r>
-            <a:endParaRPr lang="de-DE" b="1" dirty="0" smtClean="0"/>
+              <a:rPr lang="de-DE" b="1" dirty="0" smtClean="0"/>
+              <a:t>Partition</a:t>
+            </a:r>
           </a:p>
           <a:p>
             <a:pPr marL="0" indent="0">
@@ -4081,22 +4173,62 @@
               <a:buNone/>
             </a:pPr>
             <a:r>
-              <a:rPr lang="de-DE" b="1" dirty="0" smtClean="0"/>
-              <a:t>Samples</a:t>
-            </a:r>
+              <a:rPr lang="de-DE" dirty="0" err="1" smtClean="0"/>
+              <a:t>unicast</a:t>
+            </a:r>
+            <a:r>
+              <a:rPr lang="de-DE" dirty="0" smtClean="0"/>
+              <a:t> </a:t>
+            </a:r>
+            <a:r>
+              <a:rPr lang="de-DE" dirty="0" err="1" smtClean="0"/>
+              <a:t>multicast</a:t>
+            </a:r>
+            <a:endParaRPr lang="de-DE" dirty="0" smtClean="0"/>
+          </a:p>
+        </p:txBody>
+      </p:sp>
+      <p:sp>
+        <p:nvSpPr>
+          <p:cNvPr id="7" name="Inhaltsplatzhalter 6"/>
+          <p:cNvSpPr>
+            <a:spLocks noGrp="1"/>
+          </p:cNvSpPr>
+          <p:nvPr>
+            <p:ph sz="half" idx="2"/>
+          </p:nvPr>
+        </p:nvSpPr>
+        <p:spPr/>
+        <p:txBody>
+          <a:bodyPr/>
+          <a:lstStyle/>
+          <a:p>
+            <a:r>
+              <a:rPr lang="de-DE" dirty="0" err="1" smtClean="0"/>
+              <a:t>bild</a:t>
+            </a:r>
+            <a:endParaRPr lang="de-DE" dirty="0"/>
           </a:p>
         </p:txBody>
       </p:sp>
     </p:spTree>
     <p:extLst>
       <p:ext uri="{BB962C8B-B14F-4D97-AF65-F5344CB8AC3E}">
-        <p14:creationId xmlns:p14="http://schemas.microsoft.com/office/powerpoint/2010/main" val="2919555161"/>
+        <p14:creationId xmlns:p14="http://schemas.microsoft.com/office/powerpoint/2010/main" val="1893881125"/>
       </p:ext>
     </p:extLst>
   </p:cSld>
   <p:clrMapOvr>
     <a:masterClrMapping/>
   </p:clrMapOvr>
+  <mc:AlternateContent xmlns:mc="http://schemas.openxmlformats.org/markup-compatibility/2006">
+    <mc:Choice xmlns:p14="http://schemas.microsoft.com/office/powerpoint/2010/main" Requires="p14">
+      <p:transition spd="slow" p14:dur="2000"/>
+    </mc:Choice>
+    <mc:Fallback>
+      <p:transition spd="slow"/>
+    </mc:Fallback>
+  </mc:AlternateContent>
   <p:timing>
     <p:tnLst>
       <p:par>
@@ -4140,16 +4272,101 @@
           <a:lstStyle/>
           <a:p>
             <a:r>
-              <a:rPr lang="de-DE" dirty="0"/>
-              <a:t>DDS Konzepte – </a:t>
-            </a:r>
-            <a:r>
               <a:rPr lang="de-DE" dirty="0" smtClean="0"/>
-              <a:t>Data </a:t>
-            </a:r>
+              <a:t>DDS - </a:t>
+            </a:r>
+            <a:r>
+              <a:rPr lang="en-US" dirty="0" err="1" smtClean="0"/>
+              <a:t>Anatomie</a:t>
+            </a:r>
+            <a:r>
+              <a:rPr lang="en-US" dirty="0" smtClean="0"/>
+              <a:t> </a:t>
+            </a:r>
+            <a:r>
+              <a:rPr lang="en-US" dirty="0" err="1" smtClean="0"/>
+              <a:t>einer</a:t>
+            </a:r>
+            <a:r>
+              <a:rPr lang="en-US" dirty="0" smtClean="0"/>
+              <a:t> </a:t>
+            </a:r>
+            <a:r>
+              <a:rPr lang="en-US" dirty="0"/>
+              <a:t>DDS </a:t>
+            </a:r>
+            <a:r>
+              <a:rPr lang="en-US" dirty="0" err="1" smtClean="0"/>
+              <a:t>Applikation</a:t>
+            </a:r>
+            <a:endParaRPr lang="de-DE" dirty="0"/>
+          </a:p>
+        </p:txBody>
+      </p:sp>
+      <p:sp>
+        <p:nvSpPr>
+          <p:cNvPr id="3" name="Inhaltsplatzhalter 2"/>
+          <p:cNvSpPr>
+            <a:spLocks noGrp="1"/>
+          </p:cNvSpPr>
+          <p:nvPr>
+            <p:ph idx="1"/>
+          </p:nvPr>
+        </p:nvSpPr>
+        <p:spPr/>
+        <p:txBody>
+          <a:bodyPr/>
+          <a:lstStyle/>
+          <a:p>
             <a:r>
               <a:rPr lang="de-DE" dirty="0" err="1" smtClean="0"/>
-              <a:t>Organization</a:t>
+              <a:t>DataReader</a:t>
+            </a:r>
+            <a:r>
+              <a:rPr lang="de-DE" dirty="0" smtClean="0"/>
+              <a:t> (1..*)</a:t>
+            </a:r>
+          </a:p>
+          <a:p>
+            <a:pPr lvl="1"/>
+            <a:r>
+              <a:rPr lang="de-DE" dirty="0" smtClean="0"/>
+              <a:t>Subscriber</a:t>
+            </a:r>
+          </a:p>
+          <a:p>
+            <a:pPr lvl="1"/>
+            <a:r>
+              <a:rPr lang="de-DE" dirty="0" smtClean="0"/>
+              <a:t>„liest Topics“</a:t>
+            </a:r>
+          </a:p>
+          <a:p>
+            <a:pPr lvl="1"/>
+            <a:endParaRPr lang="de-DE" dirty="0"/>
+          </a:p>
+          <a:p>
+            <a:r>
+              <a:rPr lang="de-DE" dirty="0" err="1" smtClean="0"/>
+              <a:t>DataWriter</a:t>
+            </a:r>
+            <a:r>
+              <a:rPr lang="de-DE" dirty="0" smtClean="0"/>
+              <a:t> (1..*)</a:t>
+            </a:r>
+          </a:p>
+          <a:p>
+            <a:pPr lvl="1"/>
+            <a:r>
+              <a:rPr lang="de-DE" dirty="0" smtClean="0"/>
+              <a:t>Publisher</a:t>
+            </a:r>
+          </a:p>
+          <a:p>
+            <a:pPr lvl="1"/>
+            <a:r>
+              <a:rPr lang="de-DE" dirty="0" smtClean="0"/>
+              <a:t>„schreibt Topics“</a:t>
             </a:r>
             <a:endParaRPr lang="de-DE" dirty="0"/>
           </a:p>
@@ -4201,104 +4418,82 @@
           </a:p>
         </p:txBody>
       </p:sp>
-      <p:sp>
-        <p:nvSpPr>
-          <p:cNvPr id="3" name="Inhaltsplatzhalter 2"/>
-          <p:cNvSpPr>
-            <a:spLocks noGrp="1"/>
-          </p:cNvSpPr>
-          <p:nvPr>
-            <p:ph sz="half" idx="1"/>
-          </p:nvPr>
-        </p:nvSpPr>
-        <p:spPr/>
-        <p:txBody>
-          <a:bodyPr/>
-          <a:lstStyle/>
-          <a:p>
-            <a:pPr marL="0" indent="0">
-              <a:buNone/>
-            </a:pPr>
-            <a:r>
-              <a:rPr lang="de-DE" b="1" dirty="0" smtClean="0"/>
-              <a:t>Domain</a:t>
-            </a:r>
-            <a:endParaRPr lang="de-DE" dirty="0" smtClean="0"/>
-          </a:p>
-          <a:p>
-            <a:pPr marL="0" indent="0">
-              <a:buNone/>
-            </a:pPr>
-            <a:endParaRPr lang="de-DE" dirty="0" smtClean="0"/>
-          </a:p>
-          <a:p>
-            <a:pPr marL="0" indent="0">
-              <a:buNone/>
-            </a:pPr>
-            <a:endParaRPr lang="de-DE" dirty="0"/>
-          </a:p>
-          <a:p>
-            <a:pPr marL="0" indent="0">
-              <a:buNone/>
-            </a:pPr>
-            <a:r>
-              <a:rPr lang="de-DE" b="1" dirty="0" smtClean="0"/>
-              <a:t>Partition</a:t>
-            </a:r>
-          </a:p>
-          <a:p>
-            <a:pPr marL="0" indent="0">
-              <a:buNone/>
-            </a:pPr>
-            <a:endParaRPr lang="de-DE" dirty="0"/>
-          </a:p>
-          <a:p>
-            <a:pPr marL="0" indent="0">
-              <a:buNone/>
-            </a:pPr>
-            <a:r>
-              <a:rPr lang="de-DE" dirty="0" err="1" smtClean="0"/>
-              <a:t>unicast</a:t>
-            </a:r>
-            <a:r>
-              <a:rPr lang="de-DE" dirty="0" smtClean="0"/>
-              <a:t> </a:t>
-            </a:r>
-            <a:r>
-              <a:rPr lang="de-DE" dirty="0" err="1" smtClean="0"/>
-              <a:t>multicast</a:t>
-            </a:r>
-            <a:endParaRPr lang="de-DE" dirty="0" smtClean="0"/>
-          </a:p>
-        </p:txBody>
-      </p:sp>
-      <p:sp>
-        <p:nvSpPr>
-          <p:cNvPr id="7" name="Inhaltsplatzhalter 6"/>
-          <p:cNvSpPr>
-            <a:spLocks noGrp="1"/>
-          </p:cNvSpPr>
-          <p:nvPr>
-            <p:ph sz="half" idx="2"/>
-          </p:nvPr>
-        </p:nvSpPr>
-        <p:spPr/>
-        <p:txBody>
-          <a:bodyPr/>
-          <a:lstStyle/>
-          <a:p>
-            <a:r>
-              <a:rPr lang="de-DE" dirty="0" err="1" smtClean="0"/>
-              <a:t>bild</a:t>
-            </a:r>
-            <a:endParaRPr lang="de-DE" dirty="0"/>
+      <p:pic>
+        <p:nvPicPr>
+          <p:cNvPr id="6" name="Grafik 5"/>
+          <p:cNvPicPr>
+            <a:picLocks noChangeAspect="1"/>
+          </p:cNvPicPr>
+          <p:nvPr/>
+        </p:nvPicPr>
+        <p:blipFill>
+          <a:blip r:embed="rId2">
+            <a:extLst>
+              <a:ext uri="{28A0092B-C50C-407E-A947-70E740481C1C}">
+                <a14:useLocalDpi xmlns:a14="http://schemas.microsoft.com/office/drawing/2010/main" val="0"/>
+              </a:ext>
+            </a:extLst>
+          </a:blip>
+          <a:stretch>
+            <a:fillRect/>
+          </a:stretch>
+        </p:blipFill>
+        <p:spPr>
+          <a:xfrm>
+            <a:off x="4989808" y="2006600"/>
+            <a:ext cx="6612933" cy="3062659"/>
+          </a:xfrm>
+          <a:prstGeom prst="rect">
+            <a:avLst/>
+          </a:prstGeom>
+        </p:spPr>
+      </p:pic>
+      <p:sp>
+        <p:nvSpPr>
+          <p:cNvPr id="7" name="Textfeld 6"/>
+          <p:cNvSpPr txBox="1"/>
+          <p:nvPr/>
+        </p:nvSpPr>
+        <p:spPr>
+          <a:xfrm>
+            <a:off x="5552000" y="5169727"/>
+            <a:ext cx="1702710" cy="215444"/>
+          </a:xfrm>
+          <a:prstGeom prst="rect">
+            <a:avLst/>
+          </a:prstGeom>
+          <a:noFill/>
+        </p:spPr>
+        <p:txBody>
+          <a:bodyPr wrap="none" rtlCol="0">
+            <a:spAutoFit/>
+          </a:bodyPr>
+          <a:lstStyle/>
+          <a:p>
+            <a:r>
+              <a:rPr lang="de-DE" sz="800" dirty="0"/>
+              <a:t>Bild: </a:t>
+            </a:r>
+            <a:r>
+              <a:rPr lang="de-DE" sz="800" dirty="0" smtClean="0"/>
+              <a:t>Angelo </a:t>
+            </a:r>
+            <a:r>
+              <a:rPr lang="de-DE" sz="800" dirty="0" err="1" smtClean="0"/>
+              <a:t>Corsaro</a:t>
+            </a:r>
+            <a:r>
+              <a:rPr lang="de-DE" sz="800" dirty="0" smtClean="0"/>
+              <a:t>, prismtech.com</a:t>
+            </a:r>
+            <a:endParaRPr lang="de-DE" sz="800" dirty="0"/>
           </a:p>
         </p:txBody>
       </p:sp>
     </p:spTree>
     <p:extLst>
       <p:ext uri="{BB962C8B-B14F-4D97-AF65-F5344CB8AC3E}">
-        <p14:creationId xmlns:p14="http://schemas.microsoft.com/office/powerpoint/2010/main" val="1893881125"/>
+        <p14:creationId xmlns:p14="http://schemas.microsoft.com/office/powerpoint/2010/main" val="2324785858"/>
       </p:ext>
     </p:extLst>
   </p:cSld>
@@ -4454,13 +4649,20 @@
     </p:spTree>
     <p:extLst>
       <p:ext uri="{BB962C8B-B14F-4D97-AF65-F5344CB8AC3E}">
-        <p14:creationId xmlns:p14="http://schemas.microsoft.com/office/powerpoint/2010/main" val="2324785858"/>
+        <p14:creationId xmlns:p14="http://schemas.microsoft.com/office/powerpoint/2010/main" val="2808119840"/>
       </p:ext>
     </p:extLst>
   </p:cSld>
   <p:clrMapOvr>
     <a:masterClrMapping/>
   </p:clrMapOvr>
+  <p:timing>
+    <p:tnLst>
+      <p:par>
+        <p:cTn id="1" dur="indefinite" restart="never" nodeType="tmRoot"/>
+      </p:par>
+    </p:tnLst>
+  </p:timing>
 </p:sld>
 </file>
 
@@ -4583,6 +4785,13 @@
   <p:clrMapOvr>
     <a:masterClrMapping/>
   </p:clrMapOvr>
+  <p:timing>
+    <p:tnLst>
+      <p:par>
+        <p:cTn id="1" dur="indefinite" restart="never" nodeType="tmRoot"/>
+      </p:par>
+    </p:tnLst>
+  </p:timing>
 </p:sld>
 </file>
 
@@ -4977,15 +5186,23 @@
             <a:pPr lvl="1"/>
             <a:r>
               <a:rPr lang="de-DE" dirty="0" smtClean="0"/>
-              <a:t>DDS Data Space</a:t>
+              <a:t>DDS Global Data Space</a:t>
             </a:r>
           </a:p>
           <a:p>
             <a:pPr lvl="1"/>
             <a:r>
               <a:rPr lang="de-DE" dirty="0" smtClean="0"/>
-              <a:t>DDS Kommunikation</a:t>
-            </a:r>
+              <a:t>DDS Data Definition</a:t>
+            </a:r>
+          </a:p>
+          <a:p>
+            <a:pPr lvl="1"/>
+            <a:r>
+              <a:rPr lang="de-DE" dirty="0" smtClean="0"/>
+              <a:t>DDS Applikation</a:t>
+            </a:r>
+            <a:endParaRPr lang="de-DE" dirty="0" smtClean="0"/>
           </a:p>
           <a:p>
             <a:pPr lvl="1"/>
@@ -5467,7 +5684,7 @@
           <a:p>
             <a:r>
               <a:rPr lang="de-DE" dirty="0" smtClean="0"/>
-              <a:t>Evolution Datenmengen</a:t>
+              <a:t>Evolution Netzwerketopologien</a:t>
             </a:r>
             <a:endParaRPr lang="de-DE" dirty="0"/>
           </a:p>
@@ -5514,120 +5731,6 @@
             <a:fld id="{4D1A007C-F580-4FCE-902E-6189D8624F0F}" type="slidenum">
               <a:rPr lang="de-DE" smtClean="0"/>
               <a:t>4</a:t>
-            </a:fld>
-            <a:endParaRPr lang="de-DE"/>
-          </a:p>
-        </p:txBody>
-      </p:sp>
-    </p:spTree>
-    <p:extLst>
-      <p:ext uri="{BB962C8B-B14F-4D97-AF65-F5344CB8AC3E}">
-        <p14:creationId xmlns:p14="http://schemas.microsoft.com/office/powerpoint/2010/main" val="3298446169"/>
-      </p:ext>
-    </p:extLst>
-  </p:cSld>
-  <p:clrMapOvr>
-    <a:masterClrMapping/>
-  </p:clrMapOvr>
-  <mc:AlternateContent xmlns:mc="http://schemas.openxmlformats.org/markup-compatibility/2006">
-    <mc:Choice xmlns:p14="http://schemas.microsoft.com/office/powerpoint/2010/main" Requires="p14">
-      <p:transition spd="slow" p14:dur="2000"/>
-    </mc:Choice>
-    <mc:Fallback>
-      <p:transition spd="slow"/>
-    </mc:Fallback>
-  </mc:AlternateContent>
-  <p:timing>
-    <p:tnLst>
-      <p:par>
-        <p:cTn id="1" dur="indefinite" restart="never" nodeType="tmRoot"/>
-      </p:par>
-    </p:tnLst>
-  </p:timing>
-</p:sld>
-</file>
-
-<file path=ppt/slides/slide5.xml><?xml version="1.0" encoding="utf-8"?>
-<p:sld xmlns:a="http://schemas.openxmlformats.org/drawingml/2006/main" xmlns:r="http://schemas.openxmlformats.org/officeDocument/2006/relationships" xmlns:p="http://schemas.openxmlformats.org/presentationml/2006/main" show="0">
-  <p:cSld>
-    <p:spTree>
-      <p:nvGrpSpPr>
-        <p:cNvPr id="1" name=""/>
-        <p:cNvGrpSpPr/>
-        <p:nvPr/>
-      </p:nvGrpSpPr>
-      <p:grpSpPr>
-        <a:xfrm>
-          <a:off x="0" y="0"/>
-          <a:ext cx="0" cy="0"/>
-          <a:chOff x="0" y="0"/>
-          <a:chExt cx="0" cy="0"/>
-        </a:xfrm>
-      </p:grpSpPr>
-      <p:sp>
-        <p:nvSpPr>
-          <p:cNvPr id="2" name="Titel 1"/>
-          <p:cNvSpPr>
-            <a:spLocks noGrp="1"/>
-          </p:cNvSpPr>
-          <p:nvPr>
-            <p:ph type="title"/>
-          </p:nvPr>
-        </p:nvSpPr>
-        <p:spPr/>
-        <p:txBody>
-          <a:bodyPr/>
-          <a:lstStyle/>
-          <a:p>
-            <a:r>
-              <a:rPr lang="de-DE" dirty="0" smtClean="0"/>
-              <a:t>Evolution Netzwerketopologien</a:t>
-            </a:r>
-            <a:endParaRPr lang="de-DE" dirty="0"/>
-          </a:p>
-        </p:txBody>
-      </p:sp>
-      <p:sp>
-        <p:nvSpPr>
-          <p:cNvPr id="4" name="Fußzeilenplatzhalter 3"/>
-          <p:cNvSpPr>
-            <a:spLocks noGrp="1"/>
-          </p:cNvSpPr>
-          <p:nvPr>
-            <p:ph type="ftr" sz="quarter" idx="11"/>
-          </p:nvPr>
-        </p:nvSpPr>
-        <p:spPr/>
-        <p:txBody>
-          <a:bodyPr/>
-          <a:lstStyle/>
-          <a:p>
-            <a:r>
-              <a:rPr lang="nl-NL" smtClean="0"/>
-              <a:t>C. Adolph - J.P. Kaatz - 2021</a:t>
-            </a:r>
-            <a:endParaRPr lang="de-DE"/>
-          </a:p>
-        </p:txBody>
-      </p:sp>
-      <p:sp>
-        <p:nvSpPr>
-          <p:cNvPr id="5" name="Foliennummernplatzhalter 4"/>
-          <p:cNvSpPr>
-            <a:spLocks noGrp="1"/>
-          </p:cNvSpPr>
-          <p:nvPr>
-            <p:ph type="sldNum" sz="quarter" idx="12"/>
-          </p:nvPr>
-        </p:nvSpPr>
-        <p:spPr/>
-        <p:txBody>
-          <a:bodyPr/>
-          <a:lstStyle/>
-          <a:p>
-            <a:fld id="{4D1A007C-F580-4FCE-902E-6189D8624F0F}" type="slidenum">
-              <a:rPr lang="de-DE" smtClean="0"/>
-              <a:t>5</a:t>
             </a:fld>
             <a:endParaRPr lang="de-DE"/>
           </a:p>
@@ -7866,7 +7969,7 @@
 </p:sld>
 </file>
 
-<file path=ppt/slides/slide6.xml><?xml version="1.0" encoding="utf-8"?>
+<file path=ppt/slides/slide5.xml><?xml version="1.0" encoding="utf-8"?>
 <p:sld xmlns:a="http://schemas.openxmlformats.org/drawingml/2006/main" xmlns:r="http://schemas.openxmlformats.org/officeDocument/2006/relationships" xmlns:p="http://schemas.openxmlformats.org/presentationml/2006/main">
   <p:cSld>
     <p:spTree>
@@ -8150,7 +8253,7 @@
           <a:p>
             <a:fld id="{4D1A007C-F580-4FCE-902E-6189D8624F0F}" type="slidenum">
               <a:rPr lang="de-DE" smtClean="0"/>
-              <a:t>6</a:t>
+              <a:t>5</a:t>
             </a:fld>
             <a:endParaRPr lang="de-DE"/>
           </a:p>
@@ -8347,7 +8450,7 @@
 </p:sld>
 </file>
 
-<file path=ppt/slides/slide7.xml><?xml version="1.0" encoding="utf-8"?>
+<file path=ppt/slides/slide6.xml><?xml version="1.0" encoding="utf-8"?>
 <p:sld xmlns:a="http://schemas.openxmlformats.org/drawingml/2006/main" xmlns:r="http://schemas.openxmlformats.org/officeDocument/2006/relationships" xmlns:p="http://schemas.openxmlformats.org/presentationml/2006/main">
   <p:cSld>
     <p:spTree>
@@ -8538,7 +8641,7 @@
           <a:p>
             <a:fld id="{4D1A007C-F580-4FCE-902E-6189D8624F0F}" type="slidenum">
               <a:rPr lang="de-DE" smtClean="0"/>
-              <a:t>7</a:t>
+              <a:t>6</a:t>
             </a:fld>
             <a:endParaRPr lang="de-DE"/>
           </a:p>
@@ -9023,6 +9126,263 @@
   <p:clrMapOvr>
     <a:masterClrMapping/>
   </p:clrMapOvr>
+  <p:timing>
+    <p:tnLst>
+      <p:par>
+        <p:cTn id="1" dur="indefinite" restart="never" nodeType="tmRoot"/>
+      </p:par>
+    </p:tnLst>
+  </p:timing>
+</p:sld>
+</file>
+
+<file path=ppt/slides/slide7.xml><?xml version="1.0" encoding="utf-8"?>
+<p:sld xmlns:a="http://schemas.openxmlformats.org/drawingml/2006/main" xmlns:r="http://schemas.openxmlformats.org/officeDocument/2006/relationships" xmlns:p="http://schemas.openxmlformats.org/presentationml/2006/main">
+  <p:cSld>
+    <p:spTree>
+      <p:nvGrpSpPr>
+        <p:cNvPr id="1" name=""/>
+        <p:cNvGrpSpPr/>
+        <p:nvPr/>
+      </p:nvGrpSpPr>
+      <p:grpSpPr>
+        <a:xfrm>
+          <a:off x="0" y="0"/>
+          <a:ext cx="0" cy="0"/>
+          <a:chOff x="0" y="0"/>
+          <a:chExt cx="0" cy="0"/>
+        </a:xfrm>
+      </p:grpSpPr>
+      <p:sp>
+        <p:nvSpPr>
+          <p:cNvPr id="2" name="Titel 1"/>
+          <p:cNvSpPr>
+            <a:spLocks noGrp="1"/>
+          </p:cNvSpPr>
+          <p:nvPr>
+            <p:ph type="title"/>
+          </p:nvPr>
+        </p:nvSpPr>
+        <p:spPr/>
+        <p:txBody>
+          <a:bodyPr/>
+          <a:lstStyle/>
+          <a:p>
+            <a:r>
+              <a:rPr lang="de-DE" dirty="0" smtClean="0"/>
+              <a:t>DDS </a:t>
+            </a:r>
+            <a:r>
+              <a:rPr lang="de-DE" dirty="0" smtClean="0"/>
+              <a:t>Standard </a:t>
+            </a:r>
+            <a:r>
+              <a:rPr lang="de-DE" dirty="0" err="1" smtClean="0"/>
+              <a:t>cont</a:t>
+            </a:r>
+            <a:r>
+              <a:rPr lang="de-DE" dirty="0" smtClean="0"/>
+              <a:t>.</a:t>
+            </a:r>
+            <a:endParaRPr lang="de-DE" dirty="0"/>
+          </a:p>
+        </p:txBody>
+      </p:sp>
+      <p:pic>
+        <p:nvPicPr>
+          <p:cNvPr id="6" name="Inhaltsplatzhalter 5"/>
+          <p:cNvPicPr>
+            <a:picLocks noGrp="1" noChangeAspect="1"/>
+          </p:cNvPicPr>
+          <p:nvPr>
+            <p:ph sz="half" idx="1"/>
+          </p:nvPr>
+        </p:nvPicPr>
+        <p:blipFill>
+          <a:blip r:embed="rId2">
+            <a:extLst>
+              <a:ext uri="{28A0092B-C50C-407E-A947-70E740481C1C}">
+                <a14:useLocalDpi xmlns:a14="http://schemas.microsoft.com/office/drawing/2010/main" val="0"/>
+              </a:ext>
+            </a:extLst>
+          </a:blip>
+          <a:stretch>
+            <a:fillRect/>
+          </a:stretch>
+        </p:blipFill>
+        <p:spPr>
+          <a:xfrm>
+            <a:off x="1002459" y="1825625"/>
+            <a:ext cx="4853082" cy="4351338"/>
+          </a:xfrm>
+        </p:spPr>
+      </p:pic>
+      <p:sp>
+        <p:nvSpPr>
+          <p:cNvPr id="7" name="Inhaltsplatzhalter 6"/>
+          <p:cNvSpPr>
+            <a:spLocks noGrp="1"/>
+          </p:cNvSpPr>
+          <p:nvPr>
+            <p:ph sz="half" idx="2"/>
+          </p:nvPr>
+        </p:nvSpPr>
+        <p:spPr/>
+        <p:txBody>
+          <a:bodyPr/>
+          <a:lstStyle/>
+          <a:p>
+            <a:r>
+              <a:rPr lang="de-DE" dirty="0" smtClean="0"/>
+              <a:t>Sprach-, OS- &amp; HW-unabhängig</a:t>
+            </a:r>
+          </a:p>
+          <a:p>
+            <a:pPr lvl="1"/>
+            <a:r>
+              <a:rPr lang="de-DE" dirty="0" smtClean="0"/>
+              <a:t>… Stack</a:t>
+            </a:r>
+          </a:p>
+          <a:p>
+            <a:r>
+              <a:rPr lang="de-DE" b="1" dirty="0" smtClean="0"/>
+              <a:t>DCPS – Low Level API</a:t>
+            </a:r>
+          </a:p>
+          <a:p>
+            <a:r>
+              <a:rPr lang="de-DE" dirty="0" smtClean="0">
+                <a:solidFill>
+                  <a:schemeClr val="bg1">
+                    <a:lumMod val="85000"/>
+                  </a:schemeClr>
+                </a:solidFill>
+              </a:rPr>
+              <a:t>DLRL – High Level API</a:t>
+            </a:r>
+          </a:p>
+          <a:p>
+            <a:r>
+              <a:rPr lang="de-DE" dirty="0" smtClean="0"/>
+              <a:t>Interoperabel</a:t>
+            </a:r>
+          </a:p>
+          <a:p>
+            <a:pPr lvl="1"/>
+            <a:r>
+              <a:rPr lang="de-DE" dirty="0" smtClean="0"/>
+              <a:t>später mehr</a:t>
+            </a:r>
+            <a:endParaRPr lang="de-DE" dirty="0"/>
+          </a:p>
+        </p:txBody>
+      </p:sp>
+      <p:sp>
+        <p:nvSpPr>
+          <p:cNvPr id="4" name="Fußzeilenplatzhalter 3"/>
+          <p:cNvSpPr>
+            <a:spLocks noGrp="1"/>
+          </p:cNvSpPr>
+          <p:nvPr>
+            <p:ph type="ftr" sz="quarter" idx="11"/>
+          </p:nvPr>
+        </p:nvSpPr>
+        <p:spPr/>
+        <p:txBody>
+          <a:bodyPr/>
+          <a:lstStyle/>
+          <a:p>
+            <a:r>
+              <a:rPr lang="nl-NL" smtClean="0"/>
+              <a:t>C. Adolph - J.P. Kaatz - 2021</a:t>
+            </a:r>
+            <a:endParaRPr lang="de-DE"/>
+          </a:p>
+        </p:txBody>
+      </p:sp>
+      <p:sp>
+        <p:nvSpPr>
+          <p:cNvPr id="5" name="Foliennummernplatzhalter 4"/>
+          <p:cNvSpPr>
+            <a:spLocks noGrp="1"/>
+          </p:cNvSpPr>
+          <p:nvPr>
+            <p:ph type="sldNum" sz="quarter" idx="12"/>
+          </p:nvPr>
+        </p:nvSpPr>
+        <p:spPr/>
+        <p:txBody>
+          <a:bodyPr/>
+          <a:lstStyle/>
+          <a:p>
+            <a:fld id="{4D1A007C-F580-4FCE-902E-6189D8624F0F}" type="slidenum">
+              <a:rPr lang="de-DE" smtClean="0"/>
+              <a:t>7</a:t>
+            </a:fld>
+            <a:endParaRPr lang="de-DE"/>
+          </a:p>
+        </p:txBody>
+      </p:sp>
+      <p:sp>
+        <p:nvSpPr>
+          <p:cNvPr id="9" name="Textfeld 8"/>
+          <p:cNvSpPr txBox="1"/>
+          <p:nvPr/>
+        </p:nvSpPr>
+        <p:spPr>
+          <a:xfrm>
+            <a:off x="922850" y="6204178"/>
+            <a:ext cx="1702710" cy="215444"/>
+          </a:xfrm>
+          <a:prstGeom prst="rect">
+            <a:avLst/>
+          </a:prstGeom>
+          <a:noFill/>
+        </p:spPr>
+        <p:txBody>
+          <a:bodyPr wrap="none" rtlCol="0">
+            <a:spAutoFit/>
+          </a:bodyPr>
+          <a:lstStyle/>
+          <a:p>
+            <a:r>
+              <a:rPr lang="de-DE" sz="800" dirty="0"/>
+              <a:t>Bild: </a:t>
+            </a:r>
+            <a:r>
+              <a:rPr lang="de-DE" sz="800" dirty="0" smtClean="0"/>
+              <a:t>Angelo </a:t>
+            </a:r>
+            <a:r>
+              <a:rPr lang="de-DE" sz="800" dirty="0" err="1" smtClean="0"/>
+              <a:t>Corsaro</a:t>
+            </a:r>
+            <a:r>
+              <a:rPr lang="de-DE" sz="800" dirty="0" smtClean="0"/>
+              <a:t>, prismtech.com</a:t>
+            </a:r>
+            <a:endParaRPr lang="de-DE" sz="800" dirty="0"/>
+          </a:p>
+        </p:txBody>
+      </p:sp>
+    </p:spTree>
+    <p:extLst>
+      <p:ext uri="{BB962C8B-B14F-4D97-AF65-F5344CB8AC3E}">
+        <p14:creationId xmlns:p14="http://schemas.microsoft.com/office/powerpoint/2010/main" val="2543322292"/>
+      </p:ext>
+    </p:extLst>
+  </p:cSld>
+  <p:clrMapOvr>
+    <a:masterClrMapping/>
+  </p:clrMapOvr>
+  <p:timing>
+    <p:tnLst>
+      <p:par>
+        <p:cTn id="1" dur="indefinite" restart="never" nodeType="tmRoot"/>
+      </p:par>
+    </p:tnLst>
+  </p:timing>
 </p:sld>
 </file>
 
@@ -9060,32 +9420,82 @@
           <a:p>
             <a:r>
               <a:rPr lang="de-DE" dirty="0" smtClean="0"/>
-              <a:t>DDS </a:t>
-            </a:r>
+              <a:t>DDS Konzepte – Global Data Space (GDS)</a:t>
+            </a:r>
+            <a:endParaRPr lang="de-DE" dirty="0"/>
+          </a:p>
+        </p:txBody>
+      </p:sp>
+      <p:sp>
+        <p:nvSpPr>
+          <p:cNvPr id="8" name="Inhaltsplatzhalter 7"/>
+          <p:cNvSpPr>
+            <a:spLocks noGrp="1"/>
+          </p:cNvSpPr>
+          <p:nvPr>
+            <p:ph sz="half" idx="1"/>
+          </p:nvPr>
+        </p:nvSpPr>
+        <p:spPr/>
+        <p:txBody>
+          <a:bodyPr/>
+          <a:lstStyle/>
+          <a:p>
             <a:r>
               <a:rPr lang="de-DE" dirty="0" smtClean="0"/>
-              <a:t>Standard </a:t>
-            </a:r>
-            <a:r>
-              <a:rPr lang="de-DE" dirty="0" err="1" smtClean="0"/>
-              <a:t>cont</a:t>
-            </a:r>
+              <a:t>„voll verteilt“</a:t>
+            </a:r>
+          </a:p>
+          <a:p>
             <a:r>
               <a:rPr lang="de-DE" dirty="0" smtClean="0"/>
-              <a:t>.</a:t>
-            </a:r>
+              <a:t>Applikationen lesen/schreiben autonom &amp; asynchron im GDS</a:t>
+            </a:r>
+          </a:p>
+          <a:p>
+            <a:endParaRPr lang="de-DE" dirty="0" smtClean="0"/>
+          </a:p>
+          <a:p>
+            <a:pPr marL="0" indent="0">
+              <a:buNone/>
+            </a:pPr>
+            <a:endParaRPr lang="de-DE" dirty="0" smtClean="0"/>
+          </a:p>
+          <a:p>
+            <a:endParaRPr lang="de-DE" dirty="0"/>
+          </a:p>
+          <a:p>
+            <a:r>
+              <a:rPr lang="de-DE" dirty="0"/>
+              <a:t>nicht physischer </a:t>
+            </a:r>
+            <a:r>
+              <a:rPr lang="de-DE" dirty="0" smtClean="0"/>
+              <a:t>Speicher</a:t>
+            </a:r>
+            <a:endParaRPr lang="de-DE" dirty="0"/>
+          </a:p>
+          <a:p>
+            <a:pPr lvl="1"/>
+            <a:r>
+              <a:rPr lang="de-DE" dirty="0" smtClean="0"/>
+              <a:t>abstraktes Konzept</a:t>
+            </a:r>
+            <a:endParaRPr lang="de-DE" dirty="0"/>
+          </a:p>
+          <a:p>
             <a:endParaRPr lang="de-DE" dirty="0"/>
           </a:p>
         </p:txBody>
       </p:sp>
       <p:pic>
         <p:nvPicPr>
-          <p:cNvPr id="6" name="Inhaltsplatzhalter 5"/>
+          <p:cNvPr id="10" name="Inhaltsplatzhalter 9"/>
           <p:cNvPicPr>
             <a:picLocks noGrp="1" noChangeAspect="1"/>
           </p:cNvPicPr>
           <p:nvPr>
-            <p:ph sz="half" idx="1"/>
+            <p:ph sz="half" idx="2"/>
           </p:nvPr>
         </p:nvPicPr>
         <p:blipFill>
@@ -9102,75 +9512,13 @@
         </p:blipFill>
         <p:spPr>
           <a:xfrm>
-            <a:off x="1002459" y="1825625"/>
-            <a:ext cx="4853082" cy="4351338"/>
+            <a:off x="6172200" y="1908549"/>
+            <a:ext cx="5181600" cy="4185489"/>
           </a:xfrm>
         </p:spPr>
       </p:pic>
       <p:sp>
         <p:nvSpPr>
-          <p:cNvPr id="7" name="Inhaltsplatzhalter 6"/>
-          <p:cNvSpPr>
-            <a:spLocks noGrp="1"/>
-          </p:cNvSpPr>
-          <p:nvPr>
-            <p:ph sz="half" idx="2"/>
-          </p:nvPr>
-        </p:nvSpPr>
-        <p:spPr/>
-        <p:txBody>
-          <a:bodyPr/>
-          <a:lstStyle/>
-          <a:p>
-            <a:r>
-              <a:rPr lang="de-DE" dirty="0" smtClean="0"/>
-              <a:t>Sprach-, OS- &amp; HW-unabhängig</a:t>
-            </a:r>
-          </a:p>
-          <a:p>
-            <a:pPr lvl="1"/>
-            <a:r>
-              <a:rPr lang="de-DE" dirty="0" smtClean="0"/>
-              <a:t>… Stack</a:t>
-            </a:r>
-          </a:p>
-          <a:p>
-            <a:r>
-              <a:rPr lang="de-DE" b="1" dirty="0" smtClean="0"/>
-              <a:t>DCPS – Low Level API</a:t>
-            </a:r>
-          </a:p>
-          <a:p>
-            <a:pPr lvl="1"/>
-            <a:r>
-              <a:rPr lang="de-DE" dirty="0" smtClean="0">
-                <a:solidFill>
-                  <a:schemeClr val="bg1">
-                    <a:lumMod val="85000"/>
-                  </a:schemeClr>
-                </a:solidFill>
-              </a:rPr>
-              <a:t>DLRL – High Level API</a:t>
-            </a:r>
-          </a:p>
-          <a:p>
-            <a:r>
-              <a:rPr lang="de-DE" dirty="0" smtClean="0"/>
-              <a:t>Interoperabel</a:t>
-            </a:r>
-          </a:p>
-          <a:p>
-            <a:pPr lvl="1"/>
-            <a:r>
-              <a:rPr lang="de-DE" dirty="0" smtClean="0"/>
-              <a:t>später mehr</a:t>
-            </a:r>
-            <a:endParaRPr lang="de-DE" dirty="0"/>
-          </a:p>
-        </p:txBody>
-      </p:sp>
-      <p:sp>
-        <p:nvSpPr>
           <p:cNvPr id="4" name="Fußzeilenplatzhalter 3"/>
           <p:cNvSpPr>
             <a:spLocks noGrp="1"/>
@@ -9211,19 +9559,19 @@
               <a:rPr lang="de-DE" smtClean="0"/>
               <a:t>8</a:t>
             </a:fld>
-            <a:endParaRPr lang="de-DE"/>
-          </a:p>
-        </p:txBody>
-      </p:sp>
-      <p:sp>
-        <p:nvSpPr>
-          <p:cNvPr id="9" name="Textfeld 8"/>
+            <a:endParaRPr lang="de-DE" dirty="0"/>
+          </a:p>
+        </p:txBody>
+      </p:sp>
+      <p:sp>
+        <p:nvSpPr>
+          <p:cNvPr id="11" name="Textfeld 10"/>
           <p:cNvSpPr txBox="1"/>
           <p:nvPr/>
         </p:nvSpPr>
         <p:spPr>
           <a:xfrm>
-            <a:off x="922850" y="6204178"/>
+            <a:off x="6285425" y="5878594"/>
             <a:ext cx="1702710" cy="215444"/>
           </a:xfrm>
           <a:prstGeom prst="rect">
@@ -9260,13 +9608,20 @@
     </p:spTree>
     <p:extLst>
       <p:ext uri="{BB962C8B-B14F-4D97-AF65-F5344CB8AC3E}">
-        <p14:creationId xmlns:p14="http://schemas.microsoft.com/office/powerpoint/2010/main" val="2543322292"/>
+        <p14:creationId xmlns:p14="http://schemas.microsoft.com/office/powerpoint/2010/main" val="1948831020"/>
       </p:ext>
     </p:extLst>
   </p:cSld>
   <p:clrMapOvr>
     <a:masterClrMapping/>
   </p:clrMapOvr>
+  <p:timing>
+    <p:tnLst>
+      <p:par>
+        <p:cTn id="1" dur="indefinite" restart="never" nodeType="tmRoot"/>
+      </p:par>
+    </p:tnLst>
+  </p:timing>
 </p:sld>
 </file>
 
@@ -9303,66 +9658,21 @@
           <a:lstStyle/>
           <a:p>
             <a:r>
+              <a:rPr lang="de-DE" dirty="0"/>
+              <a:t>DDS Konzepte – Global Data </a:t>
+            </a:r>
+            <a:r>
               <a:rPr lang="de-DE" dirty="0" smtClean="0"/>
-              <a:t>DDS Konzepte – Global Data Space (GDS)</a:t>
-            </a:r>
-            <a:endParaRPr lang="de-DE" dirty="0"/>
-          </a:p>
-        </p:txBody>
-      </p:sp>
-      <p:sp>
-        <p:nvSpPr>
-          <p:cNvPr id="8" name="Inhaltsplatzhalter 7"/>
-          <p:cNvSpPr>
-            <a:spLocks noGrp="1"/>
-          </p:cNvSpPr>
-          <p:nvPr>
-            <p:ph sz="half" idx="1"/>
-          </p:nvPr>
-        </p:nvSpPr>
-        <p:spPr/>
-        <p:txBody>
-          <a:bodyPr/>
-          <a:lstStyle/>
-          <a:p>
+              <a:t>Space </a:t>
+            </a:r>
+            <a:r>
+              <a:rPr lang="de-DE" dirty="0" err="1" smtClean="0"/>
+              <a:t>contd</a:t>
+            </a:r>
             <a:r>
               <a:rPr lang="de-DE" dirty="0" smtClean="0"/>
-              <a:t>„voll verteilt“</a:t>
-            </a:r>
-          </a:p>
-          <a:p>
-            <a:r>
-              <a:rPr lang="de-DE" dirty="0" smtClean="0"/>
-              <a:t>Applikationen lesen/schreiben autonom &amp; asynchron im GDS</a:t>
-            </a:r>
-          </a:p>
-          <a:p>
-            <a:endParaRPr lang="de-DE" dirty="0" smtClean="0"/>
-          </a:p>
-          <a:p>
-            <a:pPr marL="0" indent="0">
-              <a:buNone/>
-            </a:pPr>
-            <a:endParaRPr lang="de-DE" dirty="0" smtClean="0"/>
-          </a:p>
-          <a:p>
-            <a:endParaRPr lang="de-DE" dirty="0"/>
-          </a:p>
-          <a:p>
-            <a:r>
-              <a:rPr lang="de-DE" dirty="0"/>
-              <a:t>nicht physischer Speicherbereich</a:t>
-            </a:r>
-          </a:p>
-          <a:p>
-            <a:pPr lvl="1"/>
-            <a:r>
-              <a:rPr lang="de-DE" dirty="0" smtClean="0"/>
-              <a:t>abstraktes Konzept</a:t>
-            </a:r>
-            <a:endParaRPr lang="de-DE" dirty="0"/>
-          </a:p>
-          <a:p>
+              <a:t>.</a:t>
+            </a:r>
             <a:endParaRPr lang="de-DE" dirty="0"/>
           </a:p>
         </p:txBody>
@@ -9374,10 +9684,10 @@
             <a:picLocks noGrp="1" noChangeAspect="1"/>
           </p:cNvPicPr>
           <p:nvPr>
-            <p:ph sz="half" idx="2"/>
+            <p:ph sz="half" idx="1"/>
           </p:nvPr>
         </p:nvPicPr>
-        <p:blipFill>
+        <p:blipFill rotWithShape="1">
           <a:blip r:embed="rId2">
             <a:extLst>
               <a:ext uri="{28A0092B-C50C-407E-A947-70E740481C1C}">
@@ -9385,19 +9695,81 @@
               </a:ext>
             </a:extLst>
           </a:blip>
-          <a:stretch>
-            <a:fillRect/>
-          </a:stretch>
+          <a:stretch/>
         </p:blipFill>
         <p:spPr>
           <a:xfrm>
-            <a:off x="6172200" y="1908549"/>
-            <a:ext cx="5181600" cy="4185489"/>
+            <a:off x="552450" y="2649551"/>
+            <a:ext cx="5181600" cy="2932085"/>
           </a:xfrm>
         </p:spPr>
       </p:pic>
       <p:sp>
         <p:nvSpPr>
+          <p:cNvPr id="11" name="Inhaltsplatzhalter 10"/>
+          <p:cNvSpPr>
+            <a:spLocks noGrp="1"/>
+          </p:cNvSpPr>
+          <p:nvPr>
+            <p:ph sz="half" idx="2"/>
+          </p:nvPr>
+        </p:nvSpPr>
+        <p:spPr/>
+        <p:txBody>
+          <a:bodyPr>
+            <a:normAutofit/>
+          </a:bodyPr>
+          <a:lstStyle/>
+          <a:p>
+            <a:r>
+              <a:rPr lang="de-DE" sz="2400" b="1" dirty="0" err="1" smtClean="0"/>
+              <a:t>Brokerless</a:t>
+            </a:r>
+            <a:endParaRPr lang="de-DE" sz="2400" b="1" dirty="0" smtClean="0"/>
+          </a:p>
+          <a:p>
+            <a:r>
+              <a:rPr lang="de-DE" sz="2400" dirty="0" smtClean="0"/>
+              <a:t>Publisher / Subscriber können GDS beitreten oder verlassen</a:t>
+            </a:r>
+          </a:p>
+          <a:p>
+            <a:r>
+              <a:rPr lang="de-DE" sz="2400" dirty="0" smtClean="0"/>
+              <a:t>Publisher / Subscriber spezifizieren Informationen über Topics </a:t>
+            </a:r>
+          </a:p>
+          <a:p>
+            <a:r>
+              <a:rPr lang="de-DE" sz="2400" dirty="0"/>
+              <a:t>Publisher / </a:t>
+            </a:r>
+            <a:r>
+              <a:rPr lang="de-DE" sz="2400" dirty="0" smtClean="0"/>
+              <a:t>Subscriber „</a:t>
+            </a:r>
+            <a:r>
+              <a:rPr lang="de-DE" sz="2400" dirty="0" err="1" smtClean="0"/>
+              <a:t>progagieren</a:t>
+            </a:r>
+            <a:r>
+              <a:rPr lang="de-DE" sz="2400" dirty="0" smtClean="0"/>
+              <a:t>“ ihre Absicht best. Informationen zu produzieren/konsumieren (</a:t>
+            </a:r>
+            <a:r>
+              <a:rPr lang="de-DE" sz="2400" dirty="0" err="1" smtClean="0"/>
+              <a:t>subscription</a:t>
+            </a:r>
+            <a:r>
+              <a:rPr lang="de-DE" sz="2400" dirty="0" smtClean="0"/>
+              <a:t>)</a:t>
+            </a:r>
+            <a:endParaRPr lang="de-DE" sz="2400" dirty="0"/>
+          </a:p>
+        </p:txBody>
+      </p:sp>
+      <p:sp>
+        <p:nvSpPr>
           <p:cNvPr id="4" name="Fußzeilenplatzhalter 3"/>
           <p:cNvSpPr>
             <a:spLocks noGrp="1"/>
@@ -9438,19 +9810,19 @@
               <a:rPr lang="de-DE" smtClean="0"/>
               <a:t>9</a:t>
             </a:fld>
-            <a:endParaRPr lang="de-DE" dirty="0"/>
-          </a:p>
-        </p:txBody>
-      </p:sp>
-      <p:sp>
-        <p:nvSpPr>
-          <p:cNvPr id="11" name="Textfeld 10"/>
+            <a:endParaRPr lang="de-DE"/>
+          </a:p>
+        </p:txBody>
+      </p:sp>
+      <p:sp>
+        <p:nvSpPr>
+          <p:cNvPr id="12" name="Textfeld 11"/>
           <p:cNvSpPr txBox="1"/>
           <p:nvPr/>
         </p:nvSpPr>
         <p:spPr>
           <a:xfrm>
-            <a:off x="6285425" y="5878594"/>
+            <a:off x="552450" y="5581636"/>
             <a:ext cx="1702710" cy="215444"/>
           </a:xfrm>
           <a:prstGeom prst="rect">
@@ -9487,7 +9859,7 @@
     </p:spTree>
     <p:extLst>
       <p:ext uri="{BB962C8B-B14F-4D97-AF65-F5344CB8AC3E}">
-        <p14:creationId xmlns:p14="http://schemas.microsoft.com/office/powerpoint/2010/main" val="1948831020"/>
+        <p14:creationId xmlns:p14="http://schemas.microsoft.com/office/powerpoint/2010/main" val="3332783416"/>
       </p:ext>
     </p:extLst>
   </p:cSld>
